--- a/DAPowerpoint.pptx
+++ b/DAPowerpoint.pptx
@@ -5,10 +5,10 @@
     <p:sldMasterId id="2147483666" r:id="rId4"/>
   </p:sldMasterIdLst>
   <p:notesMasterIdLst>
-    <p:notesMasterId r:id="rId17"/>
+    <p:notesMasterId r:id="rId18"/>
   </p:notesMasterIdLst>
   <p:handoutMasterIdLst>
-    <p:handoutMasterId r:id="rId18"/>
+    <p:handoutMasterId r:id="rId19"/>
   </p:handoutMasterIdLst>
   <p:sldIdLst>
     <p:sldId id="256" r:id="rId5"/>
@@ -21,8 +21,9 @@
     <p:sldId id="261" r:id="rId12"/>
     <p:sldId id="293" r:id="rId13"/>
     <p:sldId id="270" r:id="rId14"/>
-    <p:sldId id="275" r:id="rId15"/>
-    <p:sldId id="276" r:id="rId16"/>
+    <p:sldId id="294" r:id="rId15"/>
+    <p:sldId id="275" r:id="rId16"/>
+    <p:sldId id="276" r:id="rId17"/>
   </p:sldIdLst>
   <p:sldSz cx="12192000" cy="6858000"/>
   <p:notesSz cx="6858000" cy="9144000"/>
@@ -249,7 +250,7 @@
           <a:p>
             <a:fld id="{F352A77B-D33C-49B3-A83C-450AA2ED72B3}" type="datetimeFigureOut">
               <a:rPr lang="en-US" smtClean="0"/>
-              <a:t>11/2/2022</a:t>
+              <a:t>11/17/2022</a:t>
             </a:fld>
             <a:endParaRPr lang="en-US" dirty="0"/>
           </a:p>
@@ -426,7 +427,7 @@
           <a:p>
             <a:fld id="{E38D8F9A-F5CB-4EF8-A859-ED5E107B9763}" type="datetimeFigureOut">
               <a:rPr lang="en-US" smtClean="0"/>
-              <a:t>11/2/2022</a:t>
+              <a:t>11/17/2022</a:t>
             </a:fld>
             <a:endParaRPr lang="en-US" dirty="0"/>
           </a:p>
@@ -16677,7 +16678,7 @@
           <p:cNvPr id="2" name="Title 1">
             <a:extLst>
               <a:ext uri="{FF2B5EF4-FFF2-40B4-BE49-F238E27FC236}">
-                <a16:creationId xmlns:a16="http://schemas.microsoft.com/office/drawing/2014/main" id="{38FFA191-5CCC-43CB-BD83-4F80ED362608}"/>
+                <a16:creationId xmlns:a16="http://schemas.microsoft.com/office/drawing/2014/main" id="{537E1C88-627C-4655-A4FB-0BB02EDB078A}"/>
               </a:ext>
             </a:extLst>
           </p:cNvPr>
@@ -16690,8 +16691,78 @@
         </p:nvSpPr>
         <p:spPr>
           <a:xfrm>
-            <a:off x="5476875" y="1671639"/>
+            <a:off x="3540125" y="0"/>
             <a:ext cx="5111750" cy="1204912"/>
+          </a:xfrm>
+        </p:spPr>
+        <p:txBody>
+          <a:bodyPr>
+            <a:normAutofit fontScale="90000"/>
+          </a:bodyPr>
+          <a:lstStyle/>
+          <a:p>
+            <a:r>
+              <a:rPr lang="en-US" dirty="0"/>
+              <a:t>Top ranked countries for global business prospects</a:t>
+            </a:r>
+          </a:p>
+        </p:txBody>
+      </p:sp>
+      <p:sp>
+        <p:nvSpPr>
+          <p:cNvPr id="3" name="Content Placeholder 2">
+            <a:extLst>
+              <a:ext uri="{FF2B5EF4-FFF2-40B4-BE49-F238E27FC236}">
+                <a16:creationId xmlns:a16="http://schemas.microsoft.com/office/drawing/2014/main" id="{033634FE-ADF0-4BC3-A0A9-447EA9DD096B}"/>
+              </a:ext>
+            </a:extLst>
+          </p:cNvPr>
+          <p:cNvSpPr>
+            <a:spLocks noGrp="1"/>
+          </p:cNvSpPr>
+          <p:nvPr>
+            <p:ph type="body" idx="1"/>
+          </p:nvPr>
+        </p:nvSpPr>
+        <p:spPr>
+          <a:xfrm>
+            <a:off x="490539" y="6492518"/>
+            <a:ext cx="5111750" cy="1495217"/>
+          </a:xfrm>
+        </p:spPr>
+        <p:txBody>
+          <a:bodyPr vert="horz" lIns="91440" tIns="45720" rIns="91440" bIns="45720" rtlCol="0" anchor="t">
+            <a:normAutofit/>
+          </a:bodyPr>
+          <a:lstStyle/>
+          <a:p>
+            <a:r>
+              <a:rPr lang="en-ZA" noProof="1"/>
+              <a:t>4 = A | 3 = B | 2 = C | 1 = Poor</a:t>
+            </a:r>
+          </a:p>
+        </p:txBody>
+      </p:sp>
+      <p:sp>
+        <p:nvSpPr>
+          <p:cNvPr id="5" name="Footer Placeholder 4">
+            <a:extLst>
+              <a:ext uri="{FF2B5EF4-FFF2-40B4-BE49-F238E27FC236}">
+                <a16:creationId xmlns:a16="http://schemas.microsoft.com/office/drawing/2014/main" id="{396A095E-DB05-47EC-A2D5-47398A4A00B4}"/>
+              </a:ext>
+            </a:extLst>
+          </p:cNvPr>
+          <p:cNvSpPr>
+            <a:spLocks noGrp="1"/>
+          </p:cNvSpPr>
+          <p:nvPr>
+            <p:ph type="ftr" sz="quarter" idx="11"/>
+          </p:nvPr>
+        </p:nvSpPr>
+        <p:spPr>
+          <a:xfrm>
+            <a:off x="5224463" y="6356350"/>
+            <a:ext cx="1743075" cy="365125"/>
           </a:xfrm>
         </p:spPr>
         <p:txBody>
@@ -16700,74 +16771,6 @@
           <a:p>
             <a:r>
               <a:rPr lang="en-US" dirty="0"/>
-              <a:t>SUMMARY</a:t>
-            </a:r>
-          </a:p>
-        </p:txBody>
-      </p:sp>
-      <p:sp>
-        <p:nvSpPr>
-          <p:cNvPr id="3" name="Content Placeholder 2">
-            <a:extLst>
-              <a:ext uri="{FF2B5EF4-FFF2-40B4-BE49-F238E27FC236}">
-                <a16:creationId xmlns:a16="http://schemas.microsoft.com/office/drawing/2014/main" id="{E14BBEAF-B516-45F4-9EF6-A9F65111580F}"/>
-              </a:ext>
-            </a:extLst>
-          </p:cNvPr>
-          <p:cNvSpPr>
-            <a:spLocks noGrp="1"/>
-          </p:cNvSpPr>
-          <p:nvPr>
-            <p:ph type="body" idx="1"/>
-          </p:nvPr>
-        </p:nvSpPr>
-        <p:spPr>
-          <a:xfrm>
-            <a:off x="5476875" y="3682546"/>
-            <a:ext cx="5111750" cy="1525588"/>
-          </a:xfrm>
-        </p:spPr>
-        <p:txBody>
-          <a:bodyPr vert="horz" lIns="91440" tIns="45720" rIns="91440" bIns="45720" rtlCol="0" anchor="b">
-            <a:normAutofit lnSpcReduction="10000"/>
-          </a:bodyPr>
-          <a:lstStyle/>
-          <a:p>
-            <a:r>
-              <a:rPr lang="en-US" dirty="0"/>
-              <a:t>In conclusion, countries that rank highly in most, or all these categories are more likely to support a successful expansion of a business into a foreign market. This in turn can support new revenue streams, allow for further corporate branding, and add to the company's talent pool while having the added benefit of reducing the capital risk the business.</a:t>
-            </a:r>
-          </a:p>
-        </p:txBody>
-      </p:sp>
-      <p:sp>
-        <p:nvSpPr>
-          <p:cNvPr id="5" name="Footer Placeholder 4">
-            <a:extLst>
-              <a:ext uri="{FF2B5EF4-FFF2-40B4-BE49-F238E27FC236}">
-                <a16:creationId xmlns:a16="http://schemas.microsoft.com/office/drawing/2014/main" id="{11AEA823-8519-4F9D-81FA-3673131076FC}"/>
-              </a:ext>
-            </a:extLst>
-          </p:cNvPr>
-          <p:cNvSpPr>
-            <a:spLocks noGrp="1"/>
-          </p:cNvSpPr>
-          <p:nvPr>
-            <p:ph type="ftr" sz="quarter" idx="11"/>
-          </p:nvPr>
-        </p:nvSpPr>
-        <p:spPr>
-          <a:xfrm>
-            <a:off x="4038600" y="6356350"/>
-            <a:ext cx="4114800" cy="365125"/>
-          </a:xfrm>
-        </p:spPr>
-        <p:txBody>
-          <a:bodyPr/>
-          <a:lstStyle/>
-          <a:p>
-            <a:r>
-              <a:rPr lang="en-US" dirty="0"/>
               <a:t>Pitch Deck</a:t>
             </a:r>
           </a:p>
@@ -16778,7 +16781,7 @@
           <p:cNvPr id="6" name="Slide Number Placeholder 5">
             <a:extLst>
               <a:ext uri="{FF2B5EF4-FFF2-40B4-BE49-F238E27FC236}">
-                <a16:creationId xmlns:a16="http://schemas.microsoft.com/office/drawing/2014/main" id="{BAEFF51B-0E28-4171-AE7C-A31AAB42BC73}"/>
+                <a16:creationId xmlns:a16="http://schemas.microsoft.com/office/drawing/2014/main" id="{C23C3221-5F04-4CA7-A86A-EEA8566A1735}"/>
               </a:ext>
             </a:extLst>
           </p:cNvPr>
@@ -16808,10 +16811,691 @@
           </a:p>
         </p:txBody>
       </p:sp>
+      <p:sp>
+        <p:nvSpPr>
+          <p:cNvPr id="4" name="Content Placeholder 2">
+            <a:extLst>
+              <a:ext uri="{FF2B5EF4-FFF2-40B4-BE49-F238E27FC236}">
+                <a16:creationId xmlns:a16="http://schemas.microsoft.com/office/drawing/2014/main" id="{7F4616E9-FFEE-B779-0993-76903EBDE0CF}"/>
+              </a:ext>
+            </a:extLst>
+          </p:cNvPr>
+          <p:cNvSpPr txBox="1">
+            <a:spLocks/>
+          </p:cNvSpPr>
+          <p:nvPr/>
+        </p:nvSpPr>
+        <p:spPr>
+          <a:xfrm>
+            <a:off x="1537566" y="3845501"/>
+            <a:ext cx="5111750" cy="1525588"/>
+          </a:xfrm>
+          <a:prstGeom prst="rect">
+            <a:avLst/>
+          </a:prstGeom>
+        </p:spPr>
+        <p:txBody>
+          <a:bodyPr vert="horz" lIns="91440" tIns="45720" rIns="91440" bIns="45720" rtlCol="0" anchor="t">
+            <a:normAutofit/>
+          </a:bodyPr>
+          <a:lstStyle>
+            <a:lvl1pPr marL="0" indent="0" algn="l" defTabSz="914400" rtl="0" eaLnBrk="1" latinLnBrk="0" hangingPunct="1">
+              <a:lnSpc>
+                <a:spcPct val="100000"/>
+              </a:lnSpc>
+              <a:spcBef>
+                <a:spcPts val="1000"/>
+              </a:spcBef>
+              <a:buFont typeface="Arial" panose="020B0604020202020204" pitchFamily="34" charset="0"/>
+              <a:buNone/>
+              <a:defRPr sz="1400" kern="1200" spc="50" baseline="0">
+                <a:solidFill>
+                  <a:schemeClr val="tx1"/>
+                </a:solidFill>
+                <a:latin typeface="+mn-lt"/>
+                <a:ea typeface="+mn-ea"/>
+                <a:cs typeface="+mn-cs"/>
+              </a:defRPr>
+            </a:lvl1pPr>
+            <a:lvl2pPr marL="457200" indent="0" algn="l" defTabSz="914400" rtl="0" eaLnBrk="1" latinLnBrk="0" hangingPunct="1">
+              <a:lnSpc>
+                <a:spcPct val="90000"/>
+              </a:lnSpc>
+              <a:spcBef>
+                <a:spcPts val="500"/>
+              </a:spcBef>
+              <a:buFont typeface="Arial" panose="020B0604020202020204" pitchFamily="34" charset="0"/>
+              <a:buNone/>
+              <a:defRPr sz="2000" kern="1200">
+                <a:solidFill>
+                  <a:schemeClr val="tx1">
+                    <a:tint val="75000"/>
+                  </a:schemeClr>
+                </a:solidFill>
+                <a:latin typeface="+mn-lt"/>
+                <a:ea typeface="+mn-ea"/>
+                <a:cs typeface="+mn-cs"/>
+              </a:defRPr>
+            </a:lvl2pPr>
+            <a:lvl3pPr marL="914400" indent="0" algn="l" defTabSz="914400" rtl="0" eaLnBrk="1" latinLnBrk="0" hangingPunct="1">
+              <a:lnSpc>
+                <a:spcPct val="90000"/>
+              </a:lnSpc>
+              <a:spcBef>
+                <a:spcPts val="500"/>
+              </a:spcBef>
+              <a:buFont typeface="Arial" panose="020B0604020202020204" pitchFamily="34" charset="0"/>
+              <a:buNone/>
+              <a:defRPr sz="1800" kern="1200">
+                <a:solidFill>
+                  <a:schemeClr val="tx1">
+                    <a:tint val="75000"/>
+                  </a:schemeClr>
+                </a:solidFill>
+                <a:latin typeface="+mn-lt"/>
+                <a:ea typeface="+mn-ea"/>
+                <a:cs typeface="+mn-cs"/>
+              </a:defRPr>
+            </a:lvl3pPr>
+            <a:lvl4pPr marL="1371600" indent="0" algn="l" defTabSz="914400" rtl="0" eaLnBrk="1" latinLnBrk="0" hangingPunct="1">
+              <a:lnSpc>
+                <a:spcPct val="90000"/>
+              </a:lnSpc>
+              <a:spcBef>
+                <a:spcPts val="500"/>
+              </a:spcBef>
+              <a:buFont typeface="Arial" panose="020B0604020202020204" pitchFamily="34" charset="0"/>
+              <a:buNone/>
+              <a:defRPr sz="1600" kern="1200">
+                <a:solidFill>
+                  <a:schemeClr val="tx1">
+                    <a:tint val="75000"/>
+                  </a:schemeClr>
+                </a:solidFill>
+                <a:latin typeface="+mn-lt"/>
+                <a:ea typeface="+mn-ea"/>
+                <a:cs typeface="+mn-cs"/>
+              </a:defRPr>
+            </a:lvl4pPr>
+            <a:lvl5pPr marL="1828800" indent="0" algn="l" defTabSz="914400" rtl="0" eaLnBrk="1" latinLnBrk="0" hangingPunct="1">
+              <a:lnSpc>
+                <a:spcPct val="90000"/>
+              </a:lnSpc>
+              <a:spcBef>
+                <a:spcPts val="500"/>
+              </a:spcBef>
+              <a:buFont typeface="Arial" panose="020B0604020202020204" pitchFamily="34" charset="0"/>
+              <a:buNone/>
+              <a:defRPr sz="1600" kern="1200">
+                <a:solidFill>
+                  <a:schemeClr val="tx1">
+                    <a:tint val="75000"/>
+                  </a:schemeClr>
+                </a:solidFill>
+                <a:latin typeface="+mn-lt"/>
+                <a:ea typeface="+mn-ea"/>
+                <a:cs typeface="+mn-cs"/>
+              </a:defRPr>
+            </a:lvl5pPr>
+            <a:lvl6pPr marL="2286000" indent="0" algn="l" defTabSz="914400" rtl="0" eaLnBrk="1" latinLnBrk="0" hangingPunct="1">
+              <a:lnSpc>
+                <a:spcPct val="90000"/>
+              </a:lnSpc>
+              <a:spcBef>
+                <a:spcPts val="500"/>
+              </a:spcBef>
+              <a:buFont typeface="Arial" panose="020B0604020202020204" pitchFamily="34" charset="0"/>
+              <a:buNone/>
+              <a:defRPr sz="1600" kern="1200">
+                <a:solidFill>
+                  <a:schemeClr val="tx1">
+                    <a:tint val="75000"/>
+                  </a:schemeClr>
+                </a:solidFill>
+                <a:latin typeface="+mn-lt"/>
+                <a:ea typeface="+mn-ea"/>
+                <a:cs typeface="+mn-cs"/>
+              </a:defRPr>
+            </a:lvl6pPr>
+            <a:lvl7pPr marL="2743200" indent="0" algn="l" defTabSz="914400" rtl="0" eaLnBrk="1" latinLnBrk="0" hangingPunct="1">
+              <a:lnSpc>
+                <a:spcPct val="90000"/>
+              </a:lnSpc>
+              <a:spcBef>
+                <a:spcPts val="500"/>
+              </a:spcBef>
+              <a:buFont typeface="Arial" panose="020B0604020202020204" pitchFamily="34" charset="0"/>
+              <a:buNone/>
+              <a:defRPr sz="1600" kern="1200">
+                <a:solidFill>
+                  <a:schemeClr val="tx1">
+                    <a:tint val="75000"/>
+                  </a:schemeClr>
+                </a:solidFill>
+                <a:latin typeface="+mn-lt"/>
+                <a:ea typeface="+mn-ea"/>
+                <a:cs typeface="+mn-cs"/>
+              </a:defRPr>
+            </a:lvl7pPr>
+            <a:lvl8pPr marL="3200400" indent="0" algn="l" defTabSz="914400" rtl="0" eaLnBrk="1" latinLnBrk="0" hangingPunct="1">
+              <a:lnSpc>
+                <a:spcPct val="90000"/>
+              </a:lnSpc>
+              <a:spcBef>
+                <a:spcPts val="500"/>
+              </a:spcBef>
+              <a:buFont typeface="Arial" panose="020B0604020202020204" pitchFamily="34" charset="0"/>
+              <a:buNone/>
+              <a:defRPr sz="1600" kern="1200">
+                <a:solidFill>
+                  <a:schemeClr val="tx1">
+                    <a:tint val="75000"/>
+                  </a:schemeClr>
+                </a:solidFill>
+                <a:latin typeface="+mn-lt"/>
+                <a:ea typeface="+mn-ea"/>
+                <a:cs typeface="+mn-cs"/>
+              </a:defRPr>
+            </a:lvl8pPr>
+            <a:lvl9pPr marL="3657600" indent="0" algn="l" defTabSz="914400" rtl="0" eaLnBrk="1" latinLnBrk="0" hangingPunct="1">
+              <a:lnSpc>
+                <a:spcPct val="90000"/>
+              </a:lnSpc>
+              <a:spcBef>
+                <a:spcPts val="500"/>
+              </a:spcBef>
+              <a:buFont typeface="Arial" panose="020B0604020202020204" pitchFamily="34" charset="0"/>
+              <a:buNone/>
+              <a:defRPr sz="1600" kern="1200">
+                <a:solidFill>
+                  <a:schemeClr val="tx1">
+                    <a:tint val="75000"/>
+                  </a:schemeClr>
+                </a:solidFill>
+                <a:latin typeface="+mn-lt"/>
+                <a:ea typeface="+mn-ea"/>
+                <a:cs typeface="+mn-cs"/>
+              </a:defRPr>
+            </a:lvl9pPr>
+          </a:lstStyle>
+          <a:p>
+            <a:endParaRPr lang="en-ZA" noProof="1"/>
+          </a:p>
+        </p:txBody>
+      </p:sp>
+      <p:pic>
+        <p:nvPicPr>
+          <p:cNvPr id="1028" name="Picture 4">
+            <a:extLst>
+              <a:ext uri="{FF2B5EF4-FFF2-40B4-BE49-F238E27FC236}">
+                <a16:creationId xmlns:a16="http://schemas.microsoft.com/office/drawing/2014/main" id="{C801CD10-4E1B-AA76-2979-B8F90A81CD47}"/>
+              </a:ext>
+            </a:extLst>
+          </p:cNvPr>
+          <p:cNvPicPr>
+            <a:picLocks noChangeAspect="1" noChangeArrowheads="1"/>
+          </p:cNvPicPr>
+          <p:nvPr/>
+        </p:nvPicPr>
+        <p:blipFill rotWithShape="1">
+          <a:blip r:embed="rId2">
+            <a:extLst>
+              <a:ext uri="{28A0092B-C50C-407E-A947-70E740481C1C}">
+                <a14:useLocalDpi xmlns:a14="http://schemas.microsoft.com/office/drawing/2010/main" val="0"/>
+              </a:ext>
+            </a:extLst>
+          </a:blip>
+          <a:srcRect t="-24000" b="24000"/>
+          <a:stretch/>
+        </p:blipFill>
+        <p:spPr bwMode="auto">
+          <a:xfrm>
+            <a:off x="3581401" y="-266243"/>
+            <a:ext cx="4865687" cy="6858000"/>
+          </a:xfrm>
+          <a:prstGeom prst="rect">
+            <a:avLst/>
+          </a:prstGeom>
+          <a:noFill/>
+          <a:extLst>
+            <a:ext uri="{909E8E84-426E-40DD-AFC4-6F175D3DCCD1}">
+              <a14:hiddenFill xmlns:a14="http://schemas.microsoft.com/office/drawing/2010/main">
+                <a:solidFill>
+                  <a:srgbClr val="FFFFFF"/>
+                </a:solidFill>
+              </a14:hiddenFill>
+            </a:ext>
+          </a:extLst>
+        </p:spPr>
+      </p:pic>
+      <p:sp>
+        <p:nvSpPr>
+          <p:cNvPr id="8" name="Content Placeholder 2">
+            <a:extLst>
+              <a:ext uri="{FF2B5EF4-FFF2-40B4-BE49-F238E27FC236}">
+                <a16:creationId xmlns:a16="http://schemas.microsoft.com/office/drawing/2014/main" id="{123CE88B-5DAC-B568-8DF2-55BAAB545AA1}"/>
+              </a:ext>
+            </a:extLst>
+          </p:cNvPr>
+          <p:cNvSpPr txBox="1">
+            <a:spLocks/>
+          </p:cNvSpPr>
+          <p:nvPr/>
+        </p:nvSpPr>
+        <p:spPr>
+          <a:xfrm>
+            <a:off x="458790" y="5999266"/>
+            <a:ext cx="5111750" cy="1495217"/>
+          </a:xfrm>
+          <a:prstGeom prst="rect">
+            <a:avLst/>
+          </a:prstGeom>
+        </p:spPr>
+        <p:txBody>
+          <a:bodyPr vert="horz" lIns="91440" tIns="45720" rIns="91440" bIns="45720" rtlCol="0" anchor="t">
+            <a:normAutofit/>
+          </a:bodyPr>
+          <a:lstStyle>
+            <a:lvl1pPr marL="0" indent="0" algn="l" defTabSz="914400" rtl="0" eaLnBrk="1" latinLnBrk="0" hangingPunct="1">
+              <a:lnSpc>
+                <a:spcPct val="100000"/>
+              </a:lnSpc>
+              <a:spcBef>
+                <a:spcPts val="1000"/>
+              </a:spcBef>
+              <a:buFont typeface="Arial" panose="020B0604020202020204" pitchFamily="34" charset="0"/>
+              <a:buNone/>
+              <a:defRPr sz="1400" kern="1200" spc="50" baseline="0">
+                <a:solidFill>
+                  <a:schemeClr val="tx1"/>
+                </a:solidFill>
+                <a:latin typeface="+mn-lt"/>
+                <a:ea typeface="+mn-ea"/>
+                <a:cs typeface="+mn-cs"/>
+              </a:defRPr>
+            </a:lvl1pPr>
+            <a:lvl2pPr marL="457200" indent="0" algn="l" defTabSz="914400" rtl="0" eaLnBrk="1" latinLnBrk="0" hangingPunct="1">
+              <a:lnSpc>
+                <a:spcPct val="90000"/>
+              </a:lnSpc>
+              <a:spcBef>
+                <a:spcPts val="500"/>
+              </a:spcBef>
+              <a:buFont typeface="Arial" panose="020B0604020202020204" pitchFamily="34" charset="0"/>
+              <a:buNone/>
+              <a:defRPr sz="2000" kern="1200">
+                <a:solidFill>
+                  <a:schemeClr val="tx1">
+                    <a:tint val="75000"/>
+                  </a:schemeClr>
+                </a:solidFill>
+                <a:latin typeface="+mn-lt"/>
+                <a:ea typeface="+mn-ea"/>
+                <a:cs typeface="+mn-cs"/>
+              </a:defRPr>
+            </a:lvl2pPr>
+            <a:lvl3pPr marL="914400" indent="0" algn="l" defTabSz="914400" rtl="0" eaLnBrk="1" latinLnBrk="0" hangingPunct="1">
+              <a:lnSpc>
+                <a:spcPct val="90000"/>
+              </a:lnSpc>
+              <a:spcBef>
+                <a:spcPts val="500"/>
+              </a:spcBef>
+              <a:buFont typeface="Arial" panose="020B0604020202020204" pitchFamily="34" charset="0"/>
+              <a:buNone/>
+              <a:defRPr sz="1800" kern="1200">
+                <a:solidFill>
+                  <a:schemeClr val="tx1">
+                    <a:tint val="75000"/>
+                  </a:schemeClr>
+                </a:solidFill>
+                <a:latin typeface="+mn-lt"/>
+                <a:ea typeface="+mn-ea"/>
+                <a:cs typeface="+mn-cs"/>
+              </a:defRPr>
+            </a:lvl3pPr>
+            <a:lvl4pPr marL="1371600" indent="0" algn="l" defTabSz="914400" rtl="0" eaLnBrk="1" latinLnBrk="0" hangingPunct="1">
+              <a:lnSpc>
+                <a:spcPct val="90000"/>
+              </a:lnSpc>
+              <a:spcBef>
+                <a:spcPts val="500"/>
+              </a:spcBef>
+              <a:buFont typeface="Arial" panose="020B0604020202020204" pitchFamily="34" charset="0"/>
+              <a:buNone/>
+              <a:defRPr sz="1600" kern="1200">
+                <a:solidFill>
+                  <a:schemeClr val="tx1">
+                    <a:tint val="75000"/>
+                  </a:schemeClr>
+                </a:solidFill>
+                <a:latin typeface="+mn-lt"/>
+                <a:ea typeface="+mn-ea"/>
+                <a:cs typeface="+mn-cs"/>
+              </a:defRPr>
+            </a:lvl4pPr>
+            <a:lvl5pPr marL="1828800" indent="0" algn="l" defTabSz="914400" rtl="0" eaLnBrk="1" latinLnBrk="0" hangingPunct="1">
+              <a:lnSpc>
+                <a:spcPct val="90000"/>
+              </a:lnSpc>
+              <a:spcBef>
+                <a:spcPts val="500"/>
+              </a:spcBef>
+              <a:buFont typeface="Arial" panose="020B0604020202020204" pitchFamily="34" charset="0"/>
+              <a:buNone/>
+              <a:defRPr sz="1600" kern="1200">
+                <a:solidFill>
+                  <a:schemeClr val="tx1">
+                    <a:tint val="75000"/>
+                  </a:schemeClr>
+                </a:solidFill>
+                <a:latin typeface="+mn-lt"/>
+                <a:ea typeface="+mn-ea"/>
+                <a:cs typeface="+mn-cs"/>
+              </a:defRPr>
+            </a:lvl5pPr>
+            <a:lvl6pPr marL="2286000" indent="0" algn="l" defTabSz="914400" rtl="0" eaLnBrk="1" latinLnBrk="0" hangingPunct="1">
+              <a:lnSpc>
+                <a:spcPct val="90000"/>
+              </a:lnSpc>
+              <a:spcBef>
+                <a:spcPts val="500"/>
+              </a:spcBef>
+              <a:buFont typeface="Arial" panose="020B0604020202020204" pitchFamily="34" charset="0"/>
+              <a:buNone/>
+              <a:defRPr sz="1600" kern="1200">
+                <a:solidFill>
+                  <a:schemeClr val="tx1">
+                    <a:tint val="75000"/>
+                  </a:schemeClr>
+                </a:solidFill>
+                <a:latin typeface="+mn-lt"/>
+                <a:ea typeface="+mn-ea"/>
+                <a:cs typeface="+mn-cs"/>
+              </a:defRPr>
+            </a:lvl6pPr>
+            <a:lvl7pPr marL="2743200" indent="0" algn="l" defTabSz="914400" rtl="0" eaLnBrk="1" latinLnBrk="0" hangingPunct="1">
+              <a:lnSpc>
+                <a:spcPct val="90000"/>
+              </a:lnSpc>
+              <a:spcBef>
+                <a:spcPts val="500"/>
+              </a:spcBef>
+              <a:buFont typeface="Arial" panose="020B0604020202020204" pitchFamily="34" charset="0"/>
+              <a:buNone/>
+              <a:defRPr sz="1600" kern="1200">
+                <a:solidFill>
+                  <a:schemeClr val="tx1">
+                    <a:tint val="75000"/>
+                  </a:schemeClr>
+                </a:solidFill>
+                <a:latin typeface="+mn-lt"/>
+                <a:ea typeface="+mn-ea"/>
+                <a:cs typeface="+mn-cs"/>
+              </a:defRPr>
+            </a:lvl7pPr>
+            <a:lvl8pPr marL="3200400" indent="0" algn="l" defTabSz="914400" rtl="0" eaLnBrk="1" latinLnBrk="0" hangingPunct="1">
+              <a:lnSpc>
+                <a:spcPct val="90000"/>
+              </a:lnSpc>
+              <a:spcBef>
+                <a:spcPts val="500"/>
+              </a:spcBef>
+              <a:buFont typeface="Arial" panose="020B0604020202020204" pitchFamily="34" charset="0"/>
+              <a:buNone/>
+              <a:defRPr sz="1600" kern="1200">
+                <a:solidFill>
+                  <a:schemeClr val="tx1">
+                    <a:tint val="75000"/>
+                  </a:schemeClr>
+                </a:solidFill>
+                <a:latin typeface="+mn-lt"/>
+                <a:ea typeface="+mn-ea"/>
+                <a:cs typeface="+mn-cs"/>
+              </a:defRPr>
+            </a:lvl8pPr>
+            <a:lvl9pPr marL="3657600" indent="0" algn="l" defTabSz="914400" rtl="0" eaLnBrk="1" latinLnBrk="0" hangingPunct="1">
+              <a:lnSpc>
+                <a:spcPct val="90000"/>
+              </a:lnSpc>
+              <a:spcBef>
+                <a:spcPts val="500"/>
+              </a:spcBef>
+              <a:buFont typeface="Arial" panose="020B0604020202020204" pitchFamily="34" charset="0"/>
+              <a:buNone/>
+              <a:defRPr sz="1600" kern="1200">
+                <a:solidFill>
+                  <a:schemeClr val="tx1">
+                    <a:tint val="75000"/>
+                  </a:schemeClr>
+                </a:solidFill>
+                <a:latin typeface="+mn-lt"/>
+                <a:ea typeface="+mn-ea"/>
+                <a:cs typeface="+mn-cs"/>
+              </a:defRPr>
+            </a:lvl9pPr>
+          </a:lstStyle>
+          <a:p>
+            <a:endParaRPr lang="en-ZA" noProof="1"/>
+          </a:p>
+        </p:txBody>
+      </p:sp>
+      <p:sp>
+        <p:nvSpPr>
+          <p:cNvPr id="9" name="Content Placeholder 2">
+            <a:extLst>
+              <a:ext uri="{FF2B5EF4-FFF2-40B4-BE49-F238E27FC236}">
+                <a16:creationId xmlns:a16="http://schemas.microsoft.com/office/drawing/2014/main" id="{ED42EFC5-30DB-B4B3-9AD5-B5EA1D40CE8A}"/>
+              </a:ext>
+            </a:extLst>
+          </p:cNvPr>
+          <p:cNvSpPr txBox="1">
+            <a:spLocks/>
+          </p:cNvSpPr>
+          <p:nvPr/>
+        </p:nvSpPr>
+        <p:spPr>
+          <a:xfrm>
+            <a:off x="-433242" y="3382620"/>
+            <a:ext cx="5111750" cy="1495217"/>
+          </a:xfrm>
+          <a:prstGeom prst="rect">
+            <a:avLst/>
+          </a:prstGeom>
+        </p:spPr>
+        <p:txBody>
+          <a:bodyPr vert="horz" lIns="91440" tIns="45720" rIns="91440" bIns="45720" rtlCol="0" anchor="t">
+            <a:normAutofit/>
+          </a:bodyPr>
+          <a:lstStyle>
+            <a:lvl1pPr marL="0" indent="0" algn="l" defTabSz="914400" rtl="0" eaLnBrk="1" latinLnBrk="0" hangingPunct="1">
+              <a:lnSpc>
+                <a:spcPct val="100000"/>
+              </a:lnSpc>
+              <a:spcBef>
+                <a:spcPts val="1000"/>
+              </a:spcBef>
+              <a:buFont typeface="Arial" panose="020B0604020202020204" pitchFamily="34" charset="0"/>
+              <a:buNone/>
+              <a:defRPr sz="1400" kern="1200" spc="50" baseline="0">
+                <a:solidFill>
+                  <a:schemeClr val="tx1"/>
+                </a:solidFill>
+                <a:latin typeface="+mn-lt"/>
+                <a:ea typeface="+mn-ea"/>
+                <a:cs typeface="+mn-cs"/>
+              </a:defRPr>
+            </a:lvl1pPr>
+            <a:lvl2pPr marL="457200" indent="0" algn="l" defTabSz="914400" rtl="0" eaLnBrk="1" latinLnBrk="0" hangingPunct="1">
+              <a:lnSpc>
+                <a:spcPct val="90000"/>
+              </a:lnSpc>
+              <a:spcBef>
+                <a:spcPts val="500"/>
+              </a:spcBef>
+              <a:buFont typeface="Arial" panose="020B0604020202020204" pitchFamily="34" charset="0"/>
+              <a:buNone/>
+              <a:defRPr sz="2000" kern="1200">
+                <a:solidFill>
+                  <a:schemeClr val="tx1">
+                    <a:tint val="75000"/>
+                  </a:schemeClr>
+                </a:solidFill>
+                <a:latin typeface="+mn-lt"/>
+                <a:ea typeface="+mn-ea"/>
+                <a:cs typeface="+mn-cs"/>
+              </a:defRPr>
+            </a:lvl2pPr>
+            <a:lvl3pPr marL="914400" indent="0" algn="l" defTabSz="914400" rtl="0" eaLnBrk="1" latinLnBrk="0" hangingPunct="1">
+              <a:lnSpc>
+                <a:spcPct val="90000"/>
+              </a:lnSpc>
+              <a:spcBef>
+                <a:spcPts val="500"/>
+              </a:spcBef>
+              <a:buFont typeface="Arial" panose="020B0604020202020204" pitchFamily="34" charset="0"/>
+              <a:buNone/>
+              <a:defRPr sz="1800" kern="1200">
+                <a:solidFill>
+                  <a:schemeClr val="tx1">
+                    <a:tint val="75000"/>
+                  </a:schemeClr>
+                </a:solidFill>
+                <a:latin typeface="+mn-lt"/>
+                <a:ea typeface="+mn-ea"/>
+                <a:cs typeface="+mn-cs"/>
+              </a:defRPr>
+            </a:lvl3pPr>
+            <a:lvl4pPr marL="1371600" indent="0" algn="l" defTabSz="914400" rtl="0" eaLnBrk="1" latinLnBrk="0" hangingPunct="1">
+              <a:lnSpc>
+                <a:spcPct val="90000"/>
+              </a:lnSpc>
+              <a:spcBef>
+                <a:spcPts val="500"/>
+              </a:spcBef>
+              <a:buFont typeface="Arial" panose="020B0604020202020204" pitchFamily="34" charset="0"/>
+              <a:buNone/>
+              <a:defRPr sz="1600" kern="1200">
+                <a:solidFill>
+                  <a:schemeClr val="tx1">
+                    <a:tint val="75000"/>
+                  </a:schemeClr>
+                </a:solidFill>
+                <a:latin typeface="+mn-lt"/>
+                <a:ea typeface="+mn-ea"/>
+                <a:cs typeface="+mn-cs"/>
+              </a:defRPr>
+            </a:lvl4pPr>
+            <a:lvl5pPr marL="1828800" indent="0" algn="l" defTabSz="914400" rtl="0" eaLnBrk="1" latinLnBrk="0" hangingPunct="1">
+              <a:lnSpc>
+                <a:spcPct val="90000"/>
+              </a:lnSpc>
+              <a:spcBef>
+                <a:spcPts val="500"/>
+              </a:spcBef>
+              <a:buFont typeface="Arial" panose="020B0604020202020204" pitchFamily="34" charset="0"/>
+              <a:buNone/>
+              <a:defRPr sz="1600" kern="1200">
+                <a:solidFill>
+                  <a:schemeClr val="tx1">
+                    <a:tint val="75000"/>
+                  </a:schemeClr>
+                </a:solidFill>
+                <a:latin typeface="+mn-lt"/>
+                <a:ea typeface="+mn-ea"/>
+                <a:cs typeface="+mn-cs"/>
+              </a:defRPr>
+            </a:lvl5pPr>
+            <a:lvl6pPr marL="2286000" indent="0" algn="l" defTabSz="914400" rtl="0" eaLnBrk="1" latinLnBrk="0" hangingPunct="1">
+              <a:lnSpc>
+                <a:spcPct val="90000"/>
+              </a:lnSpc>
+              <a:spcBef>
+                <a:spcPts val="500"/>
+              </a:spcBef>
+              <a:buFont typeface="Arial" panose="020B0604020202020204" pitchFamily="34" charset="0"/>
+              <a:buNone/>
+              <a:defRPr sz="1600" kern="1200">
+                <a:solidFill>
+                  <a:schemeClr val="tx1">
+                    <a:tint val="75000"/>
+                  </a:schemeClr>
+                </a:solidFill>
+                <a:latin typeface="+mn-lt"/>
+                <a:ea typeface="+mn-ea"/>
+                <a:cs typeface="+mn-cs"/>
+              </a:defRPr>
+            </a:lvl6pPr>
+            <a:lvl7pPr marL="2743200" indent="0" algn="l" defTabSz="914400" rtl="0" eaLnBrk="1" latinLnBrk="0" hangingPunct="1">
+              <a:lnSpc>
+                <a:spcPct val="90000"/>
+              </a:lnSpc>
+              <a:spcBef>
+                <a:spcPts val="500"/>
+              </a:spcBef>
+              <a:buFont typeface="Arial" panose="020B0604020202020204" pitchFamily="34" charset="0"/>
+              <a:buNone/>
+              <a:defRPr sz="1600" kern="1200">
+                <a:solidFill>
+                  <a:schemeClr val="tx1">
+                    <a:tint val="75000"/>
+                  </a:schemeClr>
+                </a:solidFill>
+                <a:latin typeface="+mn-lt"/>
+                <a:ea typeface="+mn-ea"/>
+                <a:cs typeface="+mn-cs"/>
+              </a:defRPr>
+            </a:lvl7pPr>
+            <a:lvl8pPr marL="3200400" indent="0" algn="l" defTabSz="914400" rtl="0" eaLnBrk="1" latinLnBrk="0" hangingPunct="1">
+              <a:lnSpc>
+                <a:spcPct val="90000"/>
+              </a:lnSpc>
+              <a:spcBef>
+                <a:spcPts val="500"/>
+              </a:spcBef>
+              <a:buFont typeface="Arial" panose="020B0604020202020204" pitchFamily="34" charset="0"/>
+              <a:buNone/>
+              <a:defRPr sz="1600" kern="1200">
+                <a:solidFill>
+                  <a:schemeClr val="tx1">
+                    <a:tint val="75000"/>
+                  </a:schemeClr>
+                </a:solidFill>
+                <a:latin typeface="+mn-lt"/>
+                <a:ea typeface="+mn-ea"/>
+                <a:cs typeface="+mn-cs"/>
+              </a:defRPr>
+            </a:lvl8pPr>
+            <a:lvl9pPr marL="3657600" indent="0" algn="l" defTabSz="914400" rtl="0" eaLnBrk="1" latinLnBrk="0" hangingPunct="1">
+              <a:lnSpc>
+                <a:spcPct val="90000"/>
+              </a:lnSpc>
+              <a:spcBef>
+                <a:spcPts val="500"/>
+              </a:spcBef>
+              <a:buFont typeface="Arial" panose="020B0604020202020204" pitchFamily="34" charset="0"/>
+              <a:buNone/>
+              <a:defRPr sz="1600" kern="1200">
+                <a:solidFill>
+                  <a:schemeClr val="tx1">
+                    <a:tint val="75000"/>
+                  </a:schemeClr>
+                </a:solidFill>
+                <a:latin typeface="+mn-lt"/>
+                <a:ea typeface="+mn-ea"/>
+                <a:cs typeface="+mn-cs"/>
+              </a:defRPr>
+            </a:lvl9pPr>
+          </a:lstStyle>
+          <a:p>
+            <a:endParaRPr lang="en-ZA" noProof="1"/>
+          </a:p>
+        </p:txBody>
+      </p:sp>
     </p:spTree>
     <p:extLst>
       <p:ext uri="{BB962C8B-B14F-4D97-AF65-F5344CB8AC3E}">
-        <p14:creationId xmlns:p14="http://schemas.microsoft.com/office/powerpoint/2010/main" val="920173932"/>
+        <p14:creationId xmlns:p14="http://schemas.microsoft.com/office/powerpoint/2010/main" val="3598424002"/>
       </p:ext>
     </p:extLst>
   </p:cSld>
@@ -16843,6 +17527,172 @@
           <p:cNvPr id="2" name="Title 1">
             <a:extLst>
               <a:ext uri="{FF2B5EF4-FFF2-40B4-BE49-F238E27FC236}">
+                <a16:creationId xmlns:a16="http://schemas.microsoft.com/office/drawing/2014/main" id="{38FFA191-5CCC-43CB-BD83-4F80ED362608}"/>
+              </a:ext>
+            </a:extLst>
+          </p:cNvPr>
+          <p:cNvSpPr>
+            <a:spLocks noGrp="1"/>
+          </p:cNvSpPr>
+          <p:nvPr>
+            <p:ph type="title"/>
+          </p:nvPr>
+        </p:nvSpPr>
+        <p:spPr>
+          <a:xfrm>
+            <a:off x="5476875" y="1671639"/>
+            <a:ext cx="5111750" cy="1204912"/>
+          </a:xfrm>
+        </p:spPr>
+        <p:txBody>
+          <a:bodyPr/>
+          <a:lstStyle/>
+          <a:p>
+            <a:r>
+              <a:rPr lang="en-US" dirty="0"/>
+              <a:t>SUMMARY</a:t>
+            </a:r>
+          </a:p>
+        </p:txBody>
+      </p:sp>
+      <p:sp>
+        <p:nvSpPr>
+          <p:cNvPr id="3" name="Content Placeholder 2">
+            <a:extLst>
+              <a:ext uri="{FF2B5EF4-FFF2-40B4-BE49-F238E27FC236}">
+                <a16:creationId xmlns:a16="http://schemas.microsoft.com/office/drawing/2014/main" id="{E14BBEAF-B516-45F4-9EF6-A9F65111580F}"/>
+              </a:ext>
+            </a:extLst>
+          </p:cNvPr>
+          <p:cNvSpPr>
+            <a:spLocks noGrp="1"/>
+          </p:cNvSpPr>
+          <p:nvPr>
+            <p:ph type="body" idx="1"/>
+          </p:nvPr>
+        </p:nvSpPr>
+        <p:spPr>
+          <a:xfrm>
+            <a:off x="5476875" y="3682546"/>
+            <a:ext cx="5111750" cy="1525588"/>
+          </a:xfrm>
+        </p:spPr>
+        <p:txBody>
+          <a:bodyPr vert="horz" lIns="91440" tIns="45720" rIns="91440" bIns="45720" rtlCol="0" anchor="b">
+            <a:normAutofit lnSpcReduction="10000"/>
+          </a:bodyPr>
+          <a:lstStyle/>
+          <a:p>
+            <a:r>
+              <a:rPr lang="en-US" dirty="0"/>
+              <a:t>In conclusion, countries that rank highly in most, or all these categories are more likely to support a successful expansion of a business into a foreign market. This in turn can support new revenue streams, allow for further corporate branding, and add to the company's talent pool while having the added benefit of reducing the capital risk the business.</a:t>
+            </a:r>
+          </a:p>
+        </p:txBody>
+      </p:sp>
+      <p:sp>
+        <p:nvSpPr>
+          <p:cNvPr id="5" name="Footer Placeholder 4">
+            <a:extLst>
+              <a:ext uri="{FF2B5EF4-FFF2-40B4-BE49-F238E27FC236}">
+                <a16:creationId xmlns:a16="http://schemas.microsoft.com/office/drawing/2014/main" id="{11AEA823-8519-4F9D-81FA-3673131076FC}"/>
+              </a:ext>
+            </a:extLst>
+          </p:cNvPr>
+          <p:cNvSpPr>
+            <a:spLocks noGrp="1"/>
+          </p:cNvSpPr>
+          <p:nvPr>
+            <p:ph type="ftr" sz="quarter" idx="11"/>
+          </p:nvPr>
+        </p:nvSpPr>
+        <p:spPr>
+          <a:xfrm>
+            <a:off x="4038600" y="6356350"/>
+            <a:ext cx="4114800" cy="365125"/>
+          </a:xfrm>
+        </p:spPr>
+        <p:txBody>
+          <a:bodyPr/>
+          <a:lstStyle/>
+          <a:p>
+            <a:r>
+              <a:rPr lang="en-US" dirty="0"/>
+              <a:t>Pitch Deck</a:t>
+            </a:r>
+          </a:p>
+        </p:txBody>
+      </p:sp>
+      <p:sp>
+        <p:nvSpPr>
+          <p:cNvPr id="6" name="Slide Number Placeholder 5">
+            <a:extLst>
+              <a:ext uri="{FF2B5EF4-FFF2-40B4-BE49-F238E27FC236}">
+                <a16:creationId xmlns:a16="http://schemas.microsoft.com/office/drawing/2014/main" id="{BAEFF51B-0E28-4171-AE7C-A31AAB42BC73}"/>
+              </a:ext>
+            </a:extLst>
+          </p:cNvPr>
+          <p:cNvSpPr>
+            <a:spLocks noGrp="1"/>
+          </p:cNvSpPr>
+          <p:nvPr>
+            <p:ph type="sldNum" sz="quarter" idx="12"/>
+          </p:nvPr>
+        </p:nvSpPr>
+        <p:spPr>
+          <a:xfrm>
+            <a:off x="8610600" y="6356350"/>
+            <a:ext cx="2743200" cy="365125"/>
+          </a:xfrm>
+        </p:spPr>
+        <p:txBody>
+          <a:bodyPr/>
+          <a:lstStyle/>
+          <a:p>
+            <a:fld id="{B5CEABB6-07DC-46E8-9B57-56EC44A396E5}" type="slidenum">
+              <a:rPr lang="en-US" smtClean="0"/>
+              <a:pPr/>
+              <a:t>12</a:t>
+            </a:fld>
+            <a:endParaRPr lang="en-US" dirty="0"/>
+          </a:p>
+        </p:txBody>
+      </p:sp>
+    </p:spTree>
+    <p:extLst>
+      <p:ext uri="{BB962C8B-B14F-4D97-AF65-F5344CB8AC3E}">
+        <p14:creationId xmlns:p14="http://schemas.microsoft.com/office/powerpoint/2010/main" val="920173932"/>
+      </p:ext>
+    </p:extLst>
+  </p:cSld>
+  <p:clrMapOvr>
+    <a:masterClrMapping/>
+  </p:clrMapOvr>
+</p:sld>
+</file>
+
+<file path=ppt/slides/slide13.xml><?xml version="1.0" encoding="utf-8"?>
+<p:sld xmlns:a="http://schemas.openxmlformats.org/drawingml/2006/main" xmlns:r="http://schemas.openxmlformats.org/officeDocument/2006/relationships" xmlns:p="http://schemas.openxmlformats.org/presentationml/2006/main">
+  <p:cSld>
+    <p:spTree>
+      <p:nvGrpSpPr>
+        <p:cNvPr id="1" name=""/>
+        <p:cNvGrpSpPr/>
+        <p:nvPr/>
+      </p:nvGrpSpPr>
+      <p:grpSpPr>
+        <a:xfrm>
+          <a:off x="0" y="0"/>
+          <a:ext cx="0" cy="0"/>
+          <a:chOff x="0" y="0"/>
+          <a:chExt cx="0" cy="0"/>
+        </a:xfrm>
+      </p:grpSpPr>
+      <p:sp>
+        <p:nvSpPr>
+          <p:cNvPr id="2" name="Title 1">
+            <a:extLst>
+              <a:ext uri="{FF2B5EF4-FFF2-40B4-BE49-F238E27FC236}">
                 <a16:creationId xmlns:a16="http://schemas.microsoft.com/office/drawing/2014/main" id="{BCCAEE93-8585-46D4-A7EC-F184E317CB2E}"/>
               </a:ext>
             </a:extLst>
@@ -16980,7 +17830,7 @@
             <a:fld id="{B5CEABB6-07DC-46E8-9B57-56EC44A396E5}" type="slidenum">
               <a:rPr lang="en-US" smtClean="0"/>
               <a:pPr/>
-              <a:t>12</a:t>
+              <a:t>13</a:t>
             </a:fld>
             <a:endParaRPr lang="en-US" dirty="0"/>
           </a:p>
@@ -23400,6 +24250,15 @@
 </file>
 
 <file path=customXml/item1.xml><?xml version="1.0" encoding="utf-8"?>
+<?mso-contentType ?>
+<FormTemplates xmlns="http://schemas.microsoft.com/sharepoint/v3/contenttype/forms">
+  <Display>DocumentLibraryForm</Display>
+  <Edit>DocumentLibraryForm</Edit>
+  <New>DocumentLibraryForm</New>
+</FormTemplates>
+</file>
+
+<file path=customXml/item2.xml><?xml version="1.0" encoding="utf-8"?>
 <p:properties xmlns:p="http://schemas.microsoft.com/office/2006/metadata/properties" xmlns:xsi="http://www.w3.org/2001/XMLSchema-instance" xmlns:pc="http://schemas.microsoft.com/office/infopath/2007/PartnerControls">
   <documentManagement>
     <_ip_UnifiedCompliancePolicyUIAction xmlns="http://schemas.microsoft.com/sharepoint/v3" xsi:nil="true"/>
@@ -23416,15 +24275,6 @@
     <MediaServiceKeyPoints xmlns="71af3243-3dd4-4a8d-8c0d-dd76da1f02a5" xsi:nil="true"/>
   </documentManagement>
 </p:properties>
-</file>
-
-<file path=customXml/item2.xml><?xml version="1.0" encoding="utf-8"?>
-<?mso-contentType ?>
-<FormTemplates xmlns="http://schemas.microsoft.com/sharepoint/v3/contenttype/forms">
-  <Display>DocumentLibraryForm</Display>
-  <Edit>DocumentLibraryForm</Edit>
-  <New>DocumentLibraryForm</New>
-</FormTemplates>
 </file>
 
 <file path=customXml/item3.xml><?xml version="1.0" encoding="utf-8"?>
@@ -23704,6 +24554,14 @@
 </file>
 
 <file path=customXml/itemProps1.xml><?xml version="1.0" encoding="utf-8"?>
+<ds:datastoreItem xmlns:ds="http://schemas.openxmlformats.org/officeDocument/2006/customXml" ds:itemID="{2D446390-8521-40A2-A462-EA068123BED9}">
+  <ds:schemaRefs>
+    <ds:schemaRef ds:uri="http://schemas.microsoft.com/sharepoint/v3/contenttype/forms"/>
+  </ds:schemaRefs>
+</ds:datastoreItem>
+</file>
+
+<file path=customXml/itemProps2.xml><?xml version="1.0" encoding="utf-8"?>
 <ds:datastoreItem xmlns:ds="http://schemas.openxmlformats.org/officeDocument/2006/customXml" ds:itemID="{B5BA3906-9696-4247-AC0D-DD5C26B2A70A}">
   <ds:schemaRefs>
     <ds:schemaRef ds:uri="http://schemas.microsoft.com/office/2006/metadata/properties"/>
@@ -23711,14 +24569,6 @@
     <ds:schemaRef ds:uri="http://schemas.microsoft.com/sharepoint/v3"/>
     <ds:schemaRef ds:uri="71af3243-3dd4-4a8d-8c0d-dd76da1f02a5"/>
     <ds:schemaRef ds:uri="230e9df3-be65-4c73-a93b-d1236ebd677e"/>
-  </ds:schemaRefs>
-</ds:datastoreItem>
-</file>
-
-<file path=customXml/itemProps2.xml><?xml version="1.0" encoding="utf-8"?>
-<ds:datastoreItem xmlns:ds="http://schemas.openxmlformats.org/officeDocument/2006/customXml" ds:itemID="{2D446390-8521-40A2-A462-EA068123BED9}">
-  <ds:schemaRefs>
-    <ds:schemaRef ds:uri="http://schemas.microsoft.com/sharepoint/v3/contenttype/forms"/>
   </ds:schemaRefs>
 </ds:datastoreItem>
 </file>
